--- a/AUGMENTED REALITY.pptx
+++ b/AUGMENTED REALITY.pptx
@@ -5935,6 +5935,124 @@
       </p:grpSpPr>
       <p:sp>
         <p:nvSpPr>
+          <p:cNvPr id="79" name="Rectangle 78">
+            <a:extLst>
+              <a:ext uri="{FF2B5EF4-FFF2-40B4-BE49-F238E27FC236}">
+                <a16:creationId xmlns:a16="http://schemas.microsoft.com/office/drawing/2014/main" id="{0E807223-DF88-4D6D-970E-08919E5E02EB}"/>
+              </a:ext>
+              <a:ext uri="{C183D7F6-B498-43B3-948B-1728B52AA6E4}">
+                <adec:decorative xmlns:adec="http://schemas.microsoft.com/office/drawing/2017/decorative" val="1"/>
+              </a:ext>
+            </a:extLst>
+          </p:cNvPr>
+          <p:cNvSpPr>
+            <a:spLocks noGrp="1" noRot="1" noChangeAspect="1" noMove="1" noResize="1" noEditPoints="1" noAdjustHandles="1" noChangeArrowheads="1" noChangeShapeType="1" noTextEdit="1"/>
+          </p:cNvSpPr>
+          <p:nvPr>
+            <p:extLst>
+              <p:ext uri="{386F3935-93C4-4BCD-93E2-E3B085C9AB24}">
+                <p16:designElem xmlns:p16="http://schemas.microsoft.com/office/powerpoint/2015/main" val="1"/>
+              </p:ext>
+            </p:extLst>
+          </p:nvPr>
+        </p:nvSpPr>
+        <p:spPr>
+          <a:xfrm>
+            <a:off x="358571" y="282"/>
+            <a:ext cx="171450" cy="5143500"/>
+          </a:xfrm>
+          <a:prstGeom prst="rect">
+            <a:avLst/>
+          </a:prstGeom>
+          <a:solidFill>
+            <a:schemeClr val="tx2"/>
+          </a:solidFill>
+          <a:ln>
+            <a:noFill/>
+          </a:ln>
+        </p:spPr>
+        <p:style>
+          <a:lnRef idx="2">
+            <a:schemeClr val="accent1">
+              <a:shade val="50000"/>
+            </a:schemeClr>
+          </a:lnRef>
+          <a:fillRef idx="1">
+            <a:schemeClr val="accent1"/>
+          </a:fillRef>
+          <a:effectRef idx="0">
+            <a:schemeClr val="accent1"/>
+          </a:effectRef>
+          <a:fontRef idx="minor">
+            <a:schemeClr val="lt1"/>
+          </a:fontRef>
+        </p:style>
+      </p:sp>
+      <p:sp>
+        <p:nvSpPr>
+          <p:cNvPr id="81" name="Rectangle 80">
+            <a:extLst>
+              <a:ext uri="{FF2B5EF4-FFF2-40B4-BE49-F238E27FC236}">
+                <a16:creationId xmlns:a16="http://schemas.microsoft.com/office/drawing/2014/main" id="{83B91B61-BFCA-4647-957E-A8269BE46F39}"/>
+              </a:ext>
+              <a:ext uri="{C183D7F6-B498-43B3-948B-1728B52AA6E4}">
+                <adec:decorative xmlns:adec="http://schemas.microsoft.com/office/drawing/2017/decorative" val="1"/>
+              </a:ext>
+            </a:extLst>
+          </p:cNvPr>
+          <p:cNvSpPr>
+            <a:spLocks noGrp="1" noRot="1" noChangeAspect="1" noMove="1" noResize="1" noEditPoints="1" noAdjustHandles="1" noChangeArrowheads="1" noChangeShapeType="1" noTextEdit="1"/>
+          </p:cNvSpPr>
+          <p:nvPr>
+            <p:extLst>
+              <p:ext uri="{386F3935-93C4-4BCD-93E2-E3B085C9AB24}">
+                <p16:designElem xmlns:p16="http://schemas.microsoft.com/office/powerpoint/2015/main" val="1"/>
+              </p:ext>
+            </p:extLst>
+          </p:nvPr>
+        </p:nvSpPr>
+        <p:spPr>
+          <a:xfrm>
+            <a:off x="0" y="0"/>
+            <a:ext cx="9144000" cy="5143500"/>
+          </a:xfrm>
+          <a:prstGeom prst="rect">
+            <a:avLst/>
+          </a:prstGeom>
+          <a:solidFill>
+            <a:schemeClr val="bg2"/>
+          </a:solidFill>
+          <a:ln>
+            <a:noFill/>
+          </a:ln>
+        </p:spPr>
+        <p:style>
+          <a:lnRef idx="2">
+            <a:schemeClr val="accent1">
+              <a:shade val="50000"/>
+            </a:schemeClr>
+          </a:lnRef>
+          <a:fillRef idx="1">
+            <a:schemeClr val="accent1"/>
+          </a:fillRef>
+          <a:effectRef idx="0">
+            <a:schemeClr val="accent1"/>
+          </a:effectRef>
+          <a:fontRef idx="minor">
+            <a:schemeClr val="lt1"/>
+          </a:fontRef>
+        </p:style>
+        <p:txBody>
+          <a:bodyPr rtlCol="0" anchor="ctr"/>
+          <a:lstStyle/>
+          <a:p>
+            <a:pPr algn="ctr"/>
+            <a:endParaRPr lang="en-US"/>
+          </a:p>
+        </p:txBody>
+      </p:sp>
+      <p:sp>
+        <p:nvSpPr>
           <p:cNvPr id="73" name="Google Shape;73;p14"/>
           <p:cNvSpPr txBox="1">
             <a:spLocks noGrp="1"/>
@@ -5973,280 +6091,12 @@
           </a:p>
         </p:txBody>
       </p:sp>
-      <p:sp>
-        <p:nvSpPr>
-          <p:cNvPr id="74" name="Google Shape;74;p14"/>
-          <p:cNvSpPr txBox="1">
-            <a:spLocks noGrp="1"/>
-          </p:cNvSpPr>
-          <p:nvPr>
-            <p:ph type="body" idx="1"/>
-          </p:nvPr>
-        </p:nvSpPr>
-        <p:spPr>
-          <a:xfrm>
-            <a:off x="3825618" y="1714500"/>
-            <a:ext cx="4632582" cy="2686050"/>
-          </a:xfrm>
-          <a:prstGeom prst="rect">
-            <a:avLst/>
-          </a:prstGeom>
-        </p:spPr>
-        <p:txBody>
-          <a:bodyPr spcFirstLastPara="1" vert="horz" lIns="91440" tIns="45720" rIns="91440" bIns="45720" rtlCol="0" anchorCtr="0">
-            <a:normAutofit/>
-          </a:bodyPr>
-          <a:lstStyle/>
-          <a:p>
-            <a:pPr marL="384048" lvl="0" indent="-384048" defTabSz="914400">
-              <a:spcAft>
-                <a:spcPts val="200"/>
-              </a:spcAft>
-              <a:buFont typeface="Franklin Gothic Book" panose="020B0503020102020204" pitchFamily="34" charset="0"/>
-              <a:buNone/>
-            </a:pPr>
-            <a:r>
-              <a:rPr lang="en-US" dirty="0"/>
-              <a:t>	</a:t>
-            </a:r>
-            <a:r>
-              <a:rPr lang="en-US" dirty="0" err="1"/>
-              <a:t>Dalam</a:t>
-            </a:r>
-            <a:r>
-              <a:rPr lang="en-US" dirty="0"/>
-              <a:t> </a:t>
-            </a:r>
-            <a:r>
-              <a:rPr lang="en-US" dirty="0" err="1"/>
-              <a:t>kehidupan</a:t>
-            </a:r>
-            <a:r>
-              <a:rPr lang="en-US" dirty="0"/>
-              <a:t> </a:t>
-            </a:r>
-            <a:r>
-              <a:rPr lang="en-US" dirty="0" err="1"/>
-              <a:t>sehari-hari</a:t>
-            </a:r>
-            <a:r>
-              <a:rPr lang="en-US" dirty="0"/>
-              <a:t> </a:t>
-            </a:r>
-            <a:r>
-              <a:rPr lang="en-US" dirty="0" err="1"/>
-              <a:t>kita</a:t>
-            </a:r>
-            <a:r>
-              <a:rPr lang="en-US" dirty="0"/>
-              <a:t> </a:t>
-            </a:r>
-            <a:r>
-              <a:rPr lang="en-US" dirty="0" err="1"/>
-              <a:t>berkomunikasi</a:t>
-            </a:r>
-            <a:r>
-              <a:rPr lang="en-US" dirty="0"/>
-              <a:t> </a:t>
-            </a:r>
-            <a:r>
-              <a:rPr lang="en-US" dirty="0" err="1"/>
-              <a:t>dengan</a:t>
-            </a:r>
-            <a:r>
-              <a:rPr lang="en-US" dirty="0"/>
-              <a:t> </a:t>
-            </a:r>
-            <a:r>
-              <a:rPr lang="en-US" dirty="0" err="1"/>
-              <a:t>cara</a:t>
-            </a:r>
-            <a:r>
-              <a:rPr lang="en-US" dirty="0"/>
-              <a:t> </a:t>
-            </a:r>
-            <a:r>
-              <a:rPr lang="en-US" dirty="0" err="1"/>
-              <a:t>berbicara</a:t>
-            </a:r>
-            <a:r>
-              <a:rPr lang="en-US" dirty="0"/>
-              <a:t> dan </a:t>
-            </a:r>
-            <a:r>
-              <a:rPr lang="en-US" dirty="0" err="1"/>
-              <a:t>mendengarkan</a:t>
-            </a:r>
-            <a:r>
-              <a:rPr lang="en-US" dirty="0"/>
-              <a:t>. </a:t>
-            </a:r>
-            <a:r>
-              <a:rPr lang="en-US" dirty="0" err="1"/>
-              <a:t>Meski</a:t>
-            </a:r>
-            <a:r>
-              <a:rPr lang="en-US" dirty="0"/>
-              <a:t> </a:t>
-            </a:r>
-            <a:r>
-              <a:rPr lang="en-US" dirty="0" err="1"/>
-              <a:t>demikian</a:t>
-            </a:r>
-            <a:r>
-              <a:rPr lang="en-US" dirty="0"/>
-              <a:t>, </a:t>
-            </a:r>
-            <a:r>
-              <a:rPr lang="en-US" dirty="0" err="1"/>
-              <a:t>bukan</a:t>
-            </a:r>
-            <a:r>
-              <a:rPr lang="en-US" dirty="0"/>
-              <a:t> </a:t>
-            </a:r>
-            <a:r>
-              <a:rPr lang="en-US" dirty="0" err="1"/>
-              <a:t>berarti</a:t>
-            </a:r>
-            <a:r>
-              <a:rPr lang="en-US" dirty="0"/>
-              <a:t> </a:t>
-            </a:r>
-            <a:r>
-              <a:rPr lang="en-US" dirty="0" err="1"/>
-              <a:t>tidak</a:t>
-            </a:r>
-            <a:r>
-              <a:rPr lang="en-US" dirty="0"/>
-              <a:t> </a:t>
-            </a:r>
-            <a:r>
-              <a:rPr lang="en-US" dirty="0" err="1"/>
-              <a:t>ada</a:t>
-            </a:r>
-            <a:r>
-              <a:rPr lang="en-US" dirty="0"/>
-              <a:t> </a:t>
-            </a:r>
-            <a:r>
-              <a:rPr lang="en-US" dirty="0" err="1"/>
-              <a:t>cara</a:t>
-            </a:r>
-            <a:r>
-              <a:rPr lang="en-US" dirty="0"/>
-              <a:t> lain </a:t>
-            </a:r>
-            <a:r>
-              <a:rPr lang="en-US" dirty="0" err="1"/>
-              <a:t>dalam</a:t>
-            </a:r>
-            <a:r>
-              <a:rPr lang="en-US" dirty="0"/>
-              <a:t> </a:t>
-            </a:r>
-            <a:r>
-              <a:rPr lang="en-US" dirty="0" err="1"/>
-              <a:t>berkomunikasi</a:t>
-            </a:r>
-            <a:r>
-              <a:rPr lang="en-US" dirty="0"/>
-              <a:t>. Orang </a:t>
-            </a:r>
-            <a:r>
-              <a:rPr lang="en-US" dirty="0" err="1"/>
-              <a:t>tuli</a:t>
-            </a:r>
-            <a:r>
-              <a:rPr lang="en-US" dirty="0"/>
-              <a:t> </a:t>
-            </a:r>
-            <a:r>
-              <a:rPr lang="en-US" dirty="0" err="1"/>
-              <a:t>maupun</a:t>
-            </a:r>
-            <a:r>
-              <a:rPr lang="en-US" dirty="0"/>
-              <a:t> orang </a:t>
-            </a:r>
-            <a:r>
-              <a:rPr lang="en-US" dirty="0" err="1"/>
-              <a:t>dengan</a:t>
-            </a:r>
-            <a:r>
-              <a:rPr lang="en-US" dirty="0"/>
-              <a:t> </a:t>
-            </a:r>
-            <a:r>
-              <a:rPr lang="en-US" dirty="0" err="1"/>
-              <a:t>pendengaran</a:t>
-            </a:r>
-            <a:r>
-              <a:rPr lang="en-US" dirty="0"/>
-              <a:t> </a:t>
-            </a:r>
-            <a:r>
-              <a:rPr lang="en-US" dirty="0" err="1"/>
-              <a:t>lemah</a:t>
-            </a:r>
-            <a:r>
-              <a:rPr lang="en-US" dirty="0"/>
-              <a:t> </a:t>
-            </a:r>
-            <a:r>
-              <a:rPr lang="en-US" dirty="0" err="1"/>
-              <a:t>berkomunikasi</a:t>
-            </a:r>
-            <a:r>
-              <a:rPr lang="en-US" dirty="0"/>
-              <a:t> </a:t>
-            </a:r>
-            <a:r>
-              <a:rPr lang="en-US" dirty="0" err="1"/>
-              <a:t>melalui</a:t>
-            </a:r>
-            <a:r>
-              <a:rPr lang="en-US" dirty="0"/>
-              <a:t> </a:t>
-            </a:r>
-            <a:r>
-              <a:rPr lang="en-US" dirty="0" err="1"/>
-              <a:t>cara</a:t>
-            </a:r>
-            <a:r>
-              <a:rPr lang="en-US" dirty="0"/>
-              <a:t> yang </a:t>
-            </a:r>
-            <a:r>
-              <a:rPr lang="en-US" dirty="0" err="1"/>
-              <a:t>berbeda</a:t>
-            </a:r>
-            <a:r>
-              <a:rPr lang="en-US" dirty="0"/>
-              <a:t>. </a:t>
-            </a:r>
-          </a:p>
-          <a:p>
-            <a:pPr marL="384048" lvl="0" indent="-384048" defTabSz="914400">
-              <a:spcBef>
-                <a:spcPts val="0"/>
-              </a:spcBef>
-              <a:spcAft>
-                <a:spcPts val="200"/>
-              </a:spcAft>
-              <a:buFont typeface="Franklin Gothic Book" panose="020B0503020102020204" pitchFamily="34" charset="0"/>
-              <a:buChar char="◦"/>
-            </a:pPr>
-            <a:endParaRPr lang="en-US" dirty="0"/>
-          </a:p>
-        </p:txBody>
-      </p:sp>
       <p:pic>
         <p:nvPicPr>
-          <p:cNvPr id="1030" name="Picture 6" descr="Image result for deaf">
+          <p:cNvPr id="5" name="Picture 6" descr="Image result for deaf">
             <a:extLst>
               <a:ext uri="{FF2B5EF4-FFF2-40B4-BE49-F238E27FC236}">
-                <a16:creationId xmlns:a16="http://schemas.microsoft.com/office/drawing/2014/main" id="{D02E46C7-5BD3-4BEA-8F03-474DBF17F3FB}"/>
+                <a16:creationId xmlns:a16="http://schemas.microsoft.com/office/drawing/2014/main" id="{EA70E414-3E33-473E-A923-AEBCD203A551}"/>
               </a:ext>
             </a:extLst>
           </p:cNvPr>
@@ -6286,6 +6136,329 @@
           </a:extLst>
         </p:spPr>
       </p:pic>
+      <p:sp>
+        <p:nvSpPr>
+          <p:cNvPr id="83" name="Rectangle 82">
+            <a:extLst>
+              <a:ext uri="{FF2B5EF4-FFF2-40B4-BE49-F238E27FC236}">
+                <a16:creationId xmlns:a16="http://schemas.microsoft.com/office/drawing/2014/main" id="{92D1D7C6-1C89-420C-8D35-483654167118}"/>
+              </a:ext>
+              <a:ext uri="{C183D7F6-B498-43B3-948B-1728B52AA6E4}">
+                <adec:decorative xmlns:adec="http://schemas.microsoft.com/office/drawing/2017/decorative" val="1"/>
+              </a:ext>
+            </a:extLst>
+          </p:cNvPr>
+          <p:cNvSpPr>
+            <a:spLocks noGrp="1" noRot="1" noChangeAspect="1" noMove="1" noResize="1" noEditPoints="1" noAdjustHandles="1" noChangeArrowheads="1" noChangeShapeType="1" noTextEdit="1"/>
+          </p:cNvSpPr>
+          <p:nvPr>
+            <p:extLst>
+              <p:ext uri="{386F3935-93C4-4BCD-93E2-E3B085C9AB24}">
+                <p16:designElem xmlns:p16="http://schemas.microsoft.com/office/powerpoint/2015/main" val="1"/>
+              </p:ext>
+            </p:extLst>
+          </p:nvPr>
+        </p:nvSpPr>
+        <p:spPr>
+          <a:xfrm>
+            <a:off x="3280158" y="282"/>
+            <a:ext cx="171450" cy="5143500"/>
+          </a:xfrm>
+          <a:prstGeom prst="rect">
+            <a:avLst/>
+          </a:prstGeom>
+          <a:solidFill>
+            <a:schemeClr val="tx2"/>
+          </a:solidFill>
+          <a:ln>
+            <a:noFill/>
+          </a:ln>
+        </p:spPr>
+        <p:style>
+          <a:lnRef idx="2">
+            <a:schemeClr val="accent1">
+              <a:shade val="50000"/>
+            </a:schemeClr>
+          </a:lnRef>
+          <a:fillRef idx="1">
+            <a:schemeClr val="accent1"/>
+          </a:fillRef>
+          <a:effectRef idx="0">
+            <a:schemeClr val="accent1"/>
+          </a:effectRef>
+          <a:fontRef idx="minor">
+            <a:schemeClr val="lt1"/>
+          </a:fontRef>
+        </p:style>
+      </p:sp>
+      <p:sp>
+        <p:nvSpPr>
+          <p:cNvPr id="74" name="Google Shape;74;p14"/>
+          <p:cNvSpPr txBox="1">
+            <a:spLocks noGrp="1"/>
+          </p:cNvSpPr>
+          <p:nvPr>
+            <p:ph type="body" idx="1"/>
+          </p:nvPr>
+        </p:nvSpPr>
+        <p:spPr>
+          <a:xfrm>
+            <a:off x="3825618" y="1714500"/>
+            <a:ext cx="4632582" cy="2686050"/>
+          </a:xfrm>
+          <a:prstGeom prst="rect">
+            <a:avLst/>
+          </a:prstGeom>
+        </p:spPr>
+        <p:txBody>
+          <a:bodyPr spcFirstLastPara="1" vert="horz" lIns="91440" tIns="45720" rIns="91440" bIns="45720" rtlCol="0" anchorCtr="0">
+            <a:normAutofit/>
+          </a:bodyPr>
+          <a:lstStyle/>
+          <a:p>
+            <a:pPr marL="384048" lvl="0" indent="-384048" defTabSz="914400">
+              <a:spcAft>
+                <a:spcPts val="200"/>
+              </a:spcAft>
+              <a:buFont typeface="Franklin Gothic Book" panose="020B0503020102020204" pitchFamily="34" charset="0"/>
+              <a:buNone/>
+            </a:pPr>
+            <a:r>
+              <a:rPr lang="en-US" dirty="0"/>
+              <a:t>	</a:t>
+            </a:r>
+            <a:r>
+              <a:rPr lang="en-US"/>
+              <a:t>Dalam</a:t>
+            </a:r>
+            <a:r>
+              <a:rPr lang="en-US" dirty="0"/>
+              <a:t> </a:t>
+            </a:r>
+            <a:r>
+              <a:rPr lang="en-US"/>
+              <a:t>kehidupan</a:t>
+            </a:r>
+            <a:r>
+              <a:rPr lang="en-US" dirty="0"/>
+              <a:t> </a:t>
+            </a:r>
+            <a:r>
+              <a:rPr lang="en-US"/>
+              <a:t>sehari-hari</a:t>
+            </a:r>
+            <a:r>
+              <a:rPr lang="en-US" dirty="0"/>
+              <a:t> </a:t>
+            </a:r>
+            <a:r>
+              <a:rPr lang="en-US"/>
+              <a:t>kita</a:t>
+            </a:r>
+            <a:r>
+              <a:rPr lang="en-US" dirty="0"/>
+              <a:t> </a:t>
+            </a:r>
+            <a:r>
+              <a:rPr lang="en-US"/>
+              <a:t>berkomunikasi</a:t>
+            </a:r>
+            <a:r>
+              <a:rPr lang="en-US" dirty="0"/>
+              <a:t> </a:t>
+            </a:r>
+            <a:r>
+              <a:rPr lang="en-US"/>
+              <a:t>dengan</a:t>
+            </a:r>
+            <a:r>
+              <a:rPr lang="en-US" dirty="0"/>
+              <a:t> </a:t>
+            </a:r>
+            <a:r>
+              <a:rPr lang="en-US"/>
+              <a:t>cara</a:t>
+            </a:r>
+            <a:r>
+              <a:rPr lang="en-US" dirty="0"/>
+              <a:t> </a:t>
+            </a:r>
+            <a:r>
+              <a:rPr lang="en-US"/>
+              <a:t>berbicara</a:t>
+            </a:r>
+            <a:r>
+              <a:rPr lang="en-US" dirty="0"/>
+              <a:t> dan </a:t>
+            </a:r>
+            <a:r>
+              <a:rPr lang="en-US"/>
+              <a:t>mendengarkan</a:t>
+            </a:r>
+            <a:r>
+              <a:rPr lang="en-US" dirty="0"/>
+              <a:t>. </a:t>
+            </a:r>
+            <a:r>
+              <a:rPr lang="en-US"/>
+              <a:t>Meski</a:t>
+            </a:r>
+            <a:r>
+              <a:rPr lang="en-US" dirty="0"/>
+              <a:t> </a:t>
+            </a:r>
+            <a:r>
+              <a:rPr lang="en-US"/>
+              <a:t>demikian</a:t>
+            </a:r>
+            <a:r>
+              <a:rPr lang="en-US" dirty="0"/>
+              <a:t>, </a:t>
+            </a:r>
+            <a:r>
+              <a:rPr lang="en-US"/>
+              <a:t>bukan</a:t>
+            </a:r>
+            <a:r>
+              <a:rPr lang="en-US" dirty="0"/>
+              <a:t> </a:t>
+            </a:r>
+            <a:r>
+              <a:rPr lang="en-US"/>
+              <a:t>berarti</a:t>
+            </a:r>
+            <a:r>
+              <a:rPr lang="en-US" dirty="0"/>
+              <a:t> </a:t>
+            </a:r>
+            <a:r>
+              <a:rPr lang="en-US"/>
+              <a:t>tidak</a:t>
+            </a:r>
+            <a:r>
+              <a:rPr lang="en-US" dirty="0"/>
+              <a:t> </a:t>
+            </a:r>
+            <a:r>
+              <a:rPr lang="en-US"/>
+              <a:t>ada</a:t>
+            </a:r>
+            <a:r>
+              <a:rPr lang="en-US" dirty="0"/>
+              <a:t> </a:t>
+            </a:r>
+            <a:r>
+              <a:rPr lang="en-US"/>
+              <a:t>cara</a:t>
+            </a:r>
+            <a:r>
+              <a:rPr lang="en-US" dirty="0"/>
+              <a:t> lain </a:t>
+            </a:r>
+            <a:r>
+              <a:rPr lang="en-US"/>
+              <a:t>dalam</a:t>
+            </a:r>
+            <a:r>
+              <a:rPr lang="en-US" dirty="0"/>
+              <a:t> </a:t>
+            </a:r>
+            <a:r>
+              <a:rPr lang="en-US"/>
+              <a:t>berkomunikasi</a:t>
+            </a:r>
+            <a:r>
+              <a:rPr lang="en-US" dirty="0"/>
+              <a:t>. Orang </a:t>
+            </a:r>
+            <a:r>
+              <a:rPr lang="en-US"/>
+              <a:t>tuli</a:t>
+            </a:r>
+            <a:r>
+              <a:rPr lang="en-US" dirty="0"/>
+              <a:t> </a:t>
+            </a:r>
+            <a:r>
+              <a:rPr lang="en-US"/>
+              <a:t>maupun</a:t>
+            </a:r>
+            <a:r>
+              <a:rPr lang="en-US" dirty="0"/>
+              <a:t> orang </a:t>
+            </a:r>
+            <a:r>
+              <a:rPr lang="en-US"/>
+              <a:t>dengan</a:t>
+            </a:r>
+            <a:r>
+              <a:rPr lang="en-US" dirty="0"/>
+              <a:t> </a:t>
+            </a:r>
+            <a:r>
+              <a:rPr lang="en-US"/>
+              <a:t>pendengaran</a:t>
+            </a:r>
+            <a:r>
+              <a:rPr lang="en-US" dirty="0"/>
+              <a:t> </a:t>
+            </a:r>
+            <a:r>
+              <a:rPr lang="en-US"/>
+              <a:t>lemah</a:t>
+            </a:r>
+            <a:r>
+              <a:rPr lang="en-US" dirty="0"/>
+              <a:t> </a:t>
+            </a:r>
+            <a:r>
+              <a:rPr lang="en-US"/>
+              <a:t>berkomunikasi</a:t>
+            </a:r>
+            <a:r>
+              <a:rPr lang="en-US" dirty="0"/>
+              <a:t> </a:t>
+            </a:r>
+            <a:r>
+              <a:rPr lang="en-US"/>
+              <a:t>melalui</a:t>
+            </a:r>
+            <a:r>
+              <a:rPr lang="en-US" dirty="0"/>
+              <a:t> </a:t>
+            </a:r>
+            <a:r>
+              <a:rPr lang="en-US"/>
+              <a:t>cara</a:t>
+            </a:r>
+            <a:r>
+              <a:rPr lang="en-US" dirty="0"/>
+              <a:t> yang </a:t>
+            </a:r>
+            <a:r>
+              <a:rPr lang="en-US"/>
+              <a:t>berbeda</a:t>
+            </a:r>
+            <a:r>
+              <a:rPr lang="en-US" dirty="0"/>
+              <a:t>. </a:t>
+            </a:r>
+          </a:p>
+          <a:p>
+            <a:pPr marL="384048" lvl="0" indent="-384048" defTabSz="914400">
+              <a:spcBef>
+                <a:spcPts val="0"/>
+              </a:spcBef>
+              <a:spcAft>
+                <a:spcPts val="200"/>
+              </a:spcAft>
+              <a:buFont typeface="Franklin Gothic Book" panose="020B0503020102020204" pitchFamily="34" charset="0"/>
+              <a:buChar char="◦"/>
+            </a:pPr>
+            <a:endParaRPr lang="en-US" dirty="0"/>
+          </a:p>
+        </p:txBody>
+      </p:sp>
     </p:spTree>
   </p:cSld>
   <p:clrMapOvr>
@@ -6319,12 +6492,130 @@
           <a:chExt cx="0" cy="0"/>
         </a:xfrm>
       </p:grpSpPr>
+      <p:sp>
+        <p:nvSpPr>
+          <p:cNvPr id="86" name="Rectangle 85">
+            <a:extLst>
+              <a:ext uri="{FF2B5EF4-FFF2-40B4-BE49-F238E27FC236}">
+                <a16:creationId xmlns:a16="http://schemas.microsoft.com/office/drawing/2014/main" id="{0E807223-DF88-4D6D-970E-08919E5E02EB}"/>
+              </a:ext>
+              <a:ext uri="{C183D7F6-B498-43B3-948B-1728B52AA6E4}">
+                <adec:decorative xmlns:adec="http://schemas.microsoft.com/office/drawing/2017/decorative" val="1"/>
+              </a:ext>
+            </a:extLst>
+          </p:cNvPr>
+          <p:cNvSpPr>
+            <a:spLocks noGrp="1" noRot="1" noChangeAspect="1" noMove="1" noResize="1" noEditPoints="1" noAdjustHandles="1" noChangeArrowheads="1" noChangeShapeType="1" noTextEdit="1"/>
+          </p:cNvSpPr>
+          <p:nvPr>
+            <p:extLst>
+              <p:ext uri="{386F3935-93C4-4BCD-93E2-E3B085C9AB24}">
+                <p16:designElem xmlns:p16="http://schemas.microsoft.com/office/powerpoint/2015/main" val="1"/>
+              </p:ext>
+            </p:extLst>
+          </p:nvPr>
+        </p:nvSpPr>
+        <p:spPr>
+          <a:xfrm>
+            <a:off x="358571" y="282"/>
+            <a:ext cx="171450" cy="5143500"/>
+          </a:xfrm>
+          <a:prstGeom prst="rect">
+            <a:avLst/>
+          </a:prstGeom>
+          <a:solidFill>
+            <a:schemeClr val="tx2"/>
+          </a:solidFill>
+          <a:ln>
+            <a:noFill/>
+          </a:ln>
+        </p:spPr>
+        <p:style>
+          <a:lnRef idx="2">
+            <a:schemeClr val="accent1">
+              <a:shade val="50000"/>
+            </a:schemeClr>
+          </a:lnRef>
+          <a:fillRef idx="1">
+            <a:schemeClr val="accent1"/>
+          </a:fillRef>
+          <a:effectRef idx="0">
+            <a:schemeClr val="accent1"/>
+          </a:effectRef>
+          <a:fontRef idx="minor">
+            <a:schemeClr val="lt1"/>
+          </a:fontRef>
+        </p:style>
+      </p:sp>
+      <p:sp>
+        <p:nvSpPr>
+          <p:cNvPr id="88" name="Rectangle 87">
+            <a:extLst>
+              <a:ext uri="{FF2B5EF4-FFF2-40B4-BE49-F238E27FC236}">
+                <a16:creationId xmlns:a16="http://schemas.microsoft.com/office/drawing/2014/main" id="{83B91B61-BFCA-4647-957E-A8269BE46F39}"/>
+              </a:ext>
+              <a:ext uri="{C183D7F6-B498-43B3-948B-1728B52AA6E4}">
+                <adec:decorative xmlns:adec="http://schemas.microsoft.com/office/drawing/2017/decorative" val="1"/>
+              </a:ext>
+            </a:extLst>
+          </p:cNvPr>
+          <p:cNvSpPr>
+            <a:spLocks noGrp="1" noRot="1" noChangeAspect="1" noMove="1" noResize="1" noEditPoints="1" noAdjustHandles="1" noChangeArrowheads="1" noChangeShapeType="1" noTextEdit="1"/>
+          </p:cNvSpPr>
+          <p:nvPr>
+            <p:extLst>
+              <p:ext uri="{386F3935-93C4-4BCD-93E2-E3B085C9AB24}">
+                <p16:designElem xmlns:p16="http://schemas.microsoft.com/office/powerpoint/2015/main" val="1"/>
+              </p:ext>
+            </p:extLst>
+          </p:nvPr>
+        </p:nvSpPr>
+        <p:spPr>
+          <a:xfrm>
+            <a:off x="0" y="0"/>
+            <a:ext cx="9144000" cy="5143500"/>
+          </a:xfrm>
+          <a:prstGeom prst="rect">
+            <a:avLst/>
+          </a:prstGeom>
+          <a:solidFill>
+            <a:schemeClr val="bg2"/>
+          </a:solidFill>
+          <a:ln>
+            <a:noFill/>
+          </a:ln>
+        </p:spPr>
+        <p:style>
+          <a:lnRef idx="2">
+            <a:schemeClr val="accent1">
+              <a:shade val="50000"/>
+            </a:schemeClr>
+          </a:lnRef>
+          <a:fillRef idx="1">
+            <a:schemeClr val="accent1"/>
+          </a:fillRef>
+          <a:effectRef idx="0">
+            <a:schemeClr val="accent1"/>
+          </a:effectRef>
+          <a:fontRef idx="minor">
+            <a:schemeClr val="lt1"/>
+          </a:fontRef>
+        </p:style>
+        <p:txBody>
+          <a:bodyPr rtlCol="0" anchor="ctr"/>
+          <a:lstStyle/>
+          <a:p>
+            <a:pPr algn="ctr"/>
+            <a:endParaRPr lang="en-US"/>
+          </a:p>
+        </p:txBody>
+      </p:sp>
       <p:pic>
         <p:nvPicPr>
-          <p:cNvPr id="5" name="Picture 6" descr="Image result for deaf">
+          <p:cNvPr id="4" name="Picture 6" descr="Image result for deaf">
             <a:extLst>
               <a:ext uri="{FF2B5EF4-FFF2-40B4-BE49-F238E27FC236}">
-                <a16:creationId xmlns:a16="http://schemas.microsoft.com/office/drawing/2014/main" id="{CA23DFF2-79AB-4F59-8712-78B949A96553}"/>
+                <a16:creationId xmlns:a16="http://schemas.microsoft.com/office/drawing/2014/main" id="{8ED8BC70-583B-48B5-A235-AF6CC2F42ABF}"/>
               </a:ext>
             </a:extLst>
           </p:cNvPr>
@@ -6366,6 +6657,61 @@
       </p:pic>
       <p:sp>
         <p:nvSpPr>
+          <p:cNvPr id="90" name="Rectangle 89">
+            <a:extLst>
+              <a:ext uri="{FF2B5EF4-FFF2-40B4-BE49-F238E27FC236}">
+                <a16:creationId xmlns:a16="http://schemas.microsoft.com/office/drawing/2014/main" id="{92D1D7C6-1C89-420C-8D35-483654167118}"/>
+              </a:ext>
+              <a:ext uri="{C183D7F6-B498-43B3-948B-1728B52AA6E4}">
+                <adec:decorative xmlns:adec="http://schemas.microsoft.com/office/drawing/2017/decorative" val="1"/>
+              </a:ext>
+            </a:extLst>
+          </p:cNvPr>
+          <p:cNvSpPr>
+            <a:spLocks noGrp="1" noRot="1" noChangeAspect="1" noMove="1" noResize="1" noEditPoints="1" noAdjustHandles="1" noChangeArrowheads="1" noChangeShapeType="1" noTextEdit="1"/>
+          </p:cNvSpPr>
+          <p:nvPr>
+            <p:extLst>
+              <p:ext uri="{386F3935-93C4-4BCD-93E2-E3B085C9AB24}">
+                <p16:designElem xmlns:p16="http://schemas.microsoft.com/office/powerpoint/2015/main" val="1"/>
+              </p:ext>
+            </p:extLst>
+          </p:nvPr>
+        </p:nvSpPr>
+        <p:spPr>
+          <a:xfrm>
+            <a:off x="3280158" y="282"/>
+            <a:ext cx="171450" cy="5143500"/>
+          </a:xfrm>
+          <a:prstGeom prst="rect">
+            <a:avLst/>
+          </a:prstGeom>
+          <a:solidFill>
+            <a:schemeClr val="tx2"/>
+          </a:solidFill>
+          <a:ln>
+            <a:noFill/>
+          </a:ln>
+        </p:spPr>
+        <p:style>
+          <a:lnRef idx="2">
+            <a:schemeClr val="accent1">
+              <a:shade val="50000"/>
+            </a:schemeClr>
+          </a:lnRef>
+          <a:fillRef idx="1">
+            <a:schemeClr val="accent1"/>
+          </a:fillRef>
+          <a:effectRef idx="0">
+            <a:schemeClr val="accent1"/>
+          </a:effectRef>
+          <a:fontRef idx="minor">
+            <a:schemeClr val="lt1"/>
+          </a:fontRef>
+        </p:style>
+      </p:sp>
+      <p:sp>
+        <p:nvSpPr>
           <p:cNvPr id="81" name="Google Shape;81;p15"/>
           <p:cNvSpPr txBox="1">
             <a:spLocks noGrp="1"/>
@@ -6401,7 +6747,7 @@
               <a:t>	</a:t>
             </a:r>
             <a:r>
-              <a:rPr lang="en-US" dirty="0" err="1"/>
+              <a:rPr lang="en-US"/>
               <a:t>Sebagian</a:t>
             </a:r>
             <a:r>
@@ -6409,7 +6755,7 @@
               <a:t> </a:t>
             </a:r>
             <a:r>
-              <a:rPr lang="en-US" dirty="0" err="1"/>
+              <a:rPr lang="en-US"/>
               <a:t>dari</a:t>
             </a:r>
             <a:r>
@@ -6417,7 +6763,7 @@
               <a:t> </a:t>
             </a:r>
             <a:r>
-              <a:rPr lang="en-US" dirty="0" err="1"/>
+              <a:rPr lang="en-US"/>
               <a:t>mereka</a:t>
             </a:r>
             <a:r>
@@ -6425,7 +6771,7 @@
               <a:t> </a:t>
             </a:r>
             <a:r>
-              <a:rPr lang="en-US" dirty="0" err="1"/>
+              <a:rPr lang="en-US"/>
               <a:t>menggunakan</a:t>
             </a:r>
             <a:r>
@@ -6433,7 +6779,7 @@
               <a:t> </a:t>
             </a:r>
             <a:r>
-              <a:rPr lang="en-US" dirty="0" err="1"/>
+              <a:rPr lang="en-US"/>
               <a:t>bahasa</a:t>
             </a:r>
             <a:r>
@@ -6441,7 +6787,7 @@
               <a:t> </a:t>
             </a:r>
             <a:r>
-              <a:rPr lang="en-US" dirty="0" err="1"/>
+              <a:rPr lang="en-US"/>
               <a:t>isyarat</a:t>
             </a:r>
             <a:r>
@@ -6449,7 +6795,7 @@
               <a:t> </a:t>
             </a:r>
             <a:r>
-              <a:rPr lang="en-US" dirty="0" err="1"/>
+              <a:rPr lang="en-US"/>
               <a:t>untuk</a:t>
             </a:r>
             <a:r>
@@ -6457,7 +6803,7 @@
               <a:t> </a:t>
             </a:r>
             <a:r>
-              <a:rPr lang="en-US" dirty="0" err="1"/>
+              <a:rPr lang="en-US"/>
               <a:t>menyampaikan</a:t>
             </a:r>
             <a:r>
@@ -6465,7 +6811,7 @@
               <a:t> dan </a:t>
             </a:r>
             <a:r>
-              <a:rPr lang="en-US" dirty="0" err="1"/>
+              <a:rPr lang="en-US"/>
               <a:t>menerima</a:t>
             </a:r>
             <a:r>
@@ -6473,7 +6819,7 @@
               <a:t> </a:t>
             </a:r>
             <a:r>
-              <a:rPr lang="en-US" dirty="0" err="1"/>
+              <a:rPr lang="en-US"/>
               <a:t>pesan</a:t>
             </a:r>
             <a:r>
@@ -6481,7 +6827,7 @@
               <a:t>. </a:t>
             </a:r>
             <a:r>
-              <a:rPr lang="en-US" dirty="0" err="1"/>
+              <a:rPr lang="en-US"/>
               <a:t>Namun</a:t>
             </a:r>
             <a:r>
@@ -6489,7 +6835,7 @@
               <a:t> </a:t>
             </a:r>
             <a:r>
-              <a:rPr lang="en-US" dirty="0" err="1"/>
+              <a:rPr lang="en-US"/>
               <a:t>jika</a:t>
             </a:r>
             <a:r>
@@ -6497,7 +6843,7 @@
               <a:t> Anda </a:t>
             </a:r>
             <a:r>
-              <a:rPr lang="en-US" dirty="0" err="1"/>
+              <a:rPr lang="en-US"/>
               <a:t>tidak</a:t>
             </a:r>
             <a:r>
@@ -6505,7 +6851,7 @@
               <a:t> </a:t>
             </a:r>
             <a:r>
-              <a:rPr lang="en-US" dirty="0" err="1"/>
+              <a:rPr lang="en-US"/>
               <a:t>menguasai</a:t>
             </a:r>
             <a:r>
@@ -6513,7 +6859,7 @@
               <a:t> </a:t>
             </a:r>
             <a:r>
-              <a:rPr lang="en-US" dirty="0" err="1"/>
+              <a:rPr lang="en-US"/>
               <a:t>bahasa</a:t>
             </a:r>
             <a:r>
@@ -6521,7 +6867,7 @@
               <a:t> </a:t>
             </a:r>
             <a:r>
-              <a:rPr lang="en-US" dirty="0" err="1"/>
+              <a:rPr lang="en-US"/>
               <a:t>isyarat</a:t>
             </a:r>
             <a:r>
@@ -6529,7 +6875,7 @@
               <a:t>, </a:t>
             </a:r>
             <a:r>
-              <a:rPr lang="en-US" dirty="0" err="1"/>
+              <a:rPr lang="en-US"/>
               <a:t>bagaimana</a:t>
             </a:r>
             <a:r>
@@ -6537,7 +6883,7 @@
               <a:t> </a:t>
             </a:r>
             <a:r>
-              <a:rPr lang="en-US" dirty="0" err="1"/>
+              <a:rPr lang="en-US"/>
               <a:t>caranya</a:t>
             </a:r>
             <a:r>
@@ -6545,7 +6891,7 @@
               <a:t> </a:t>
             </a:r>
             <a:r>
-              <a:rPr lang="en-US" dirty="0" err="1"/>
+              <a:rPr lang="en-US"/>
               <a:t>untuk</a:t>
             </a:r>
             <a:r>
@@ -6553,7 +6899,7 @@
               <a:t> </a:t>
             </a:r>
             <a:r>
-              <a:rPr lang="en-US" dirty="0" err="1"/>
+              <a:rPr lang="en-US"/>
               <a:t>berkomunikasi</a:t>
             </a:r>
             <a:r>
@@ -6561,7 +6907,7 @@
               <a:t> </a:t>
             </a:r>
             <a:r>
-              <a:rPr lang="en-US" dirty="0" err="1"/>
+              <a:rPr lang="en-US"/>
               <a:t>dengan</a:t>
             </a:r>
             <a:r>
@@ -6569,7 +6915,7 @@
               <a:t> </a:t>
             </a:r>
             <a:r>
-              <a:rPr lang="en-US" dirty="0" err="1"/>
+              <a:rPr lang="en-US"/>
               <a:t>mereka</a:t>
             </a:r>
             <a:r>
@@ -6728,6 +7074,124 @@
       </p:grpSpPr>
       <p:sp>
         <p:nvSpPr>
+          <p:cNvPr id="99" name="Rectangle 98">
+            <a:extLst>
+              <a:ext uri="{FF2B5EF4-FFF2-40B4-BE49-F238E27FC236}">
+                <a16:creationId xmlns:a16="http://schemas.microsoft.com/office/drawing/2014/main" id="{0E807223-DF88-4D6D-970E-08919E5E02EB}"/>
+              </a:ext>
+              <a:ext uri="{C183D7F6-B498-43B3-948B-1728B52AA6E4}">
+                <adec:decorative xmlns:adec="http://schemas.microsoft.com/office/drawing/2017/decorative" val="1"/>
+              </a:ext>
+            </a:extLst>
+          </p:cNvPr>
+          <p:cNvSpPr>
+            <a:spLocks noGrp="1" noRot="1" noChangeAspect="1" noMove="1" noResize="1" noEditPoints="1" noAdjustHandles="1" noChangeArrowheads="1" noChangeShapeType="1" noTextEdit="1"/>
+          </p:cNvSpPr>
+          <p:nvPr>
+            <p:extLst>
+              <p:ext uri="{386F3935-93C4-4BCD-93E2-E3B085C9AB24}">
+                <p16:designElem xmlns:p16="http://schemas.microsoft.com/office/powerpoint/2015/main" val="1"/>
+              </p:ext>
+            </p:extLst>
+          </p:nvPr>
+        </p:nvSpPr>
+        <p:spPr>
+          <a:xfrm>
+            <a:off x="358571" y="282"/>
+            <a:ext cx="171450" cy="5143500"/>
+          </a:xfrm>
+          <a:prstGeom prst="rect">
+            <a:avLst/>
+          </a:prstGeom>
+          <a:solidFill>
+            <a:schemeClr val="tx2"/>
+          </a:solidFill>
+          <a:ln>
+            <a:noFill/>
+          </a:ln>
+        </p:spPr>
+        <p:style>
+          <a:lnRef idx="2">
+            <a:schemeClr val="accent1">
+              <a:shade val="50000"/>
+            </a:schemeClr>
+          </a:lnRef>
+          <a:fillRef idx="1">
+            <a:schemeClr val="accent1"/>
+          </a:fillRef>
+          <a:effectRef idx="0">
+            <a:schemeClr val="accent1"/>
+          </a:effectRef>
+          <a:fontRef idx="minor">
+            <a:schemeClr val="lt1"/>
+          </a:fontRef>
+        </p:style>
+      </p:sp>
+      <p:sp>
+        <p:nvSpPr>
+          <p:cNvPr id="101" name="Rectangle 100">
+            <a:extLst>
+              <a:ext uri="{FF2B5EF4-FFF2-40B4-BE49-F238E27FC236}">
+                <a16:creationId xmlns:a16="http://schemas.microsoft.com/office/drawing/2014/main" id="{961D8973-EAA9-459A-AF59-BBB4233D6C78}"/>
+              </a:ext>
+              <a:ext uri="{C183D7F6-B498-43B3-948B-1728B52AA6E4}">
+                <adec:decorative xmlns:adec="http://schemas.microsoft.com/office/drawing/2017/decorative" val="1"/>
+              </a:ext>
+            </a:extLst>
+          </p:cNvPr>
+          <p:cNvSpPr>
+            <a:spLocks noGrp="1" noRot="1" noChangeAspect="1" noMove="1" noResize="1" noEditPoints="1" noAdjustHandles="1" noChangeArrowheads="1" noChangeShapeType="1" noTextEdit="1"/>
+          </p:cNvSpPr>
+          <p:nvPr>
+            <p:extLst>
+              <p:ext uri="{386F3935-93C4-4BCD-93E2-E3B085C9AB24}">
+                <p16:designElem xmlns:p16="http://schemas.microsoft.com/office/powerpoint/2015/main" val="1"/>
+              </p:ext>
+            </p:extLst>
+          </p:nvPr>
+        </p:nvSpPr>
+        <p:spPr>
+          <a:xfrm>
+            <a:off x="0" y="0"/>
+            <a:ext cx="9144000" cy="5143500"/>
+          </a:xfrm>
+          <a:prstGeom prst="rect">
+            <a:avLst/>
+          </a:prstGeom>
+          <a:solidFill>
+            <a:schemeClr val="bg2"/>
+          </a:solidFill>
+          <a:ln>
+            <a:noFill/>
+          </a:ln>
+        </p:spPr>
+        <p:style>
+          <a:lnRef idx="2">
+            <a:schemeClr val="accent1">
+              <a:shade val="50000"/>
+            </a:schemeClr>
+          </a:lnRef>
+          <a:fillRef idx="1">
+            <a:schemeClr val="accent1"/>
+          </a:fillRef>
+          <a:effectRef idx="0">
+            <a:schemeClr val="accent1"/>
+          </a:effectRef>
+          <a:fontRef idx="minor">
+            <a:schemeClr val="lt1"/>
+          </a:fontRef>
+        </p:style>
+        <p:txBody>
+          <a:bodyPr rtlCol="0" anchor="ctr"/>
+          <a:lstStyle/>
+          <a:p>
+            <a:pPr algn="ctr"/>
+            <a:endParaRPr lang="en-US"/>
+          </a:p>
+        </p:txBody>
+      </p:sp>
+      <p:sp>
+        <p:nvSpPr>
           <p:cNvPr id="93" name="Google Shape;93;p17"/>
           <p:cNvSpPr txBox="1">
             <a:spLocks noGrp="1"/>
@@ -6817,12 +7281,67 @@
           </a:p>
         </p:txBody>
       </p:sp>
+      <p:sp>
+        <p:nvSpPr>
+          <p:cNvPr id="103" name="Rectangle 102">
+            <a:extLst>
+              <a:ext uri="{FF2B5EF4-FFF2-40B4-BE49-F238E27FC236}">
+                <a16:creationId xmlns:a16="http://schemas.microsoft.com/office/drawing/2014/main" id="{FBEA8A33-C0D0-416D-8359-724B8828C7C3}"/>
+              </a:ext>
+              <a:ext uri="{C183D7F6-B498-43B3-948B-1728B52AA6E4}">
+                <adec:decorative xmlns:adec="http://schemas.microsoft.com/office/drawing/2017/decorative" val="1"/>
+              </a:ext>
+            </a:extLst>
+          </p:cNvPr>
+          <p:cNvSpPr>
+            <a:spLocks noGrp="1" noRot="1" noChangeAspect="1" noMove="1" noResize="1" noEditPoints="1" noAdjustHandles="1" noChangeArrowheads="1" noChangeShapeType="1" noTextEdit="1"/>
+          </p:cNvSpPr>
+          <p:nvPr>
+            <p:extLst>
+              <p:ext uri="{386F3935-93C4-4BCD-93E2-E3B085C9AB24}">
+                <p16:designElem xmlns:p16="http://schemas.microsoft.com/office/powerpoint/2015/main" val="1"/>
+              </p:ext>
+            </p:extLst>
+          </p:nvPr>
+        </p:nvSpPr>
+        <p:spPr>
+          <a:xfrm>
+            <a:off x="5537745" y="0"/>
+            <a:ext cx="171450" cy="5143500"/>
+          </a:xfrm>
+          <a:prstGeom prst="rect">
+            <a:avLst/>
+          </a:prstGeom>
+          <a:solidFill>
+            <a:schemeClr val="tx2"/>
+          </a:solidFill>
+          <a:ln>
+            <a:noFill/>
+          </a:ln>
+        </p:spPr>
+        <p:style>
+          <a:lnRef idx="2">
+            <a:schemeClr val="accent1">
+              <a:shade val="50000"/>
+            </a:schemeClr>
+          </a:lnRef>
+          <a:fillRef idx="1">
+            <a:schemeClr val="accent1"/>
+          </a:fillRef>
+          <a:effectRef idx="0">
+            <a:schemeClr val="accent1"/>
+          </a:effectRef>
+          <a:fontRef idx="minor">
+            <a:schemeClr val="lt1"/>
+          </a:fontRef>
+        </p:style>
+      </p:sp>
       <p:pic>
         <p:nvPicPr>
-          <p:cNvPr id="3" name="Picture 2">
+          <p:cNvPr id="5" name="Picture 4">
             <a:extLst>
               <a:ext uri="{FF2B5EF4-FFF2-40B4-BE49-F238E27FC236}">
-                <a16:creationId xmlns:a16="http://schemas.microsoft.com/office/drawing/2014/main" id="{923EE4C1-3354-48D3-817D-831ABD42D8A1}"/>
+                <a16:creationId xmlns:a16="http://schemas.microsoft.com/office/drawing/2014/main" id="{BCED0390-3B2E-43EC-8700-81C863176F4A}"/>
               </a:ext>
             </a:extLst>
           </p:cNvPr>
@@ -6881,6 +7400,124 @@
       </p:grpSpPr>
       <p:sp>
         <p:nvSpPr>
+          <p:cNvPr id="105" name="Rectangle 104">
+            <a:extLst>
+              <a:ext uri="{FF2B5EF4-FFF2-40B4-BE49-F238E27FC236}">
+                <a16:creationId xmlns:a16="http://schemas.microsoft.com/office/drawing/2014/main" id="{0E807223-DF88-4D6D-970E-08919E5E02EB}"/>
+              </a:ext>
+              <a:ext uri="{C183D7F6-B498-43B3-948B-1728B52AA6E4}">
+                <adec:decorative xmlns:adec="http://schemas.microsoft.com/office/drawing/2017/decorative" val="1"/>
+              </a:ext>
+            </a:extLst>
+          </p:cNvPr>
+          <p:cNvSpPr>
+            <a:spLocks noGrp="1" noRot="1" noChangeAspect="1" noMove="1" noResize="1" noEditPoints="1" noAdjustHandles="1" noChangeArrowheads="1" noChangeShapeType="1" noTextEdit="1"/>
+          </p:cNvSpPr>
+          <p:nvPr>
+            <p:extLst>
+              <p:ext uri="{386F3935-93C4-4BCD-93E2-E3B085C9AB24}">
+                <p16:designElem xmlns:p16="http://schemas.microsoft.com/office/powerpoint/2015/main" val="1"/>
+              </p:ext>
+            </p:extLst>
+          </p:nvPr>
+        </p:nvSpPr>
+        <p:spPr>
+          <a:xfrm>
+            <a:off x="358571" y="282"/>
+            <a:ext cx="171450" cy="5143500"/>
+          </a:xfrm>
+          <a:prstGeom prst="rect">
+            <a:avLst/>
+          </a:prstGeom>
+          <a:solidFill>
+            <a:schemeClr val="tx2"/>
+          </a:solidFill>
+          <a:ln>
+            <a:noFill/>
+          </a:ln>
+        </p:spPr>
+        <p:style>
+          <a:lnRef idx="2">
+            <a:schemeClr val="accent1">
+              <a:shade val="50000"/>
+            </a:schemeClr>
+          </a:lnRef>
+          <a:fillRef idx="1">
+            <a:schemeClr val="accent1"/>
+          </a:fillRef>
+          <a:effectRef idx="0">
+            <a:schemeClr val="accent1"/>
+          </a:effectRef>
+          <a:fontRef idx="minor">
+            <a:schemeClr val="lt1"/>
+          </a:fontRef>
+        </p:style>
+      </p:sp>
+      <p:sp>
+        <p:nvSpPr>
+          <p:cNvPr id="107" name="Rectangle 106">
+            <a:extLst>
+              <a:ext uri="{FF2B5EF4-FFF2-40B4-BE49-F238E27FC236}">
+                <a16:creationId xmlns:a16="http://schemas.microsoft.com/office/drawing/2014/main" id="{961D8973-EAA9-459A-AF59-BBB4233D6C78}"/>
+              </a:ext>
+              <a:ext uri="{C183D7F6-B498-43B3-948B-1728B52AA6E4}">
+                <adec:decorative xmlns:adec="http://schemas.microsoft.com/office/drawing/2017/decorative" val="1"/>
+              </a:ext>
+            </a:extLst>
+          </p:cNvPr>
+          <p:cNvSpPr>
+            <a:spLocks noGrp="1" noRot="1" noChangeAspect="1" noMove="1" noResize="1" noEditPoints="1" noAdjustHandles="1" noChangeArrowheads="1" noChangeShapeType="1" noTextEdit="1"/>
+          </p:cNvSpPr>
+          <p:nvPr>
+            <p:extLst>
+              <p:ext uri="{386F3935-93C4-4BCD-93E2-E3B085C9AB24}">
+                <p16:designElem xmlns:p16="http://schemas.microsoft.com/office/powerpoint/2015/main" val="1"/>
+              </p:ext>
+            </p:extLst>
+          </p:nvPr>
+        </p:nvSpPr>
+        <p:spPr>
+          <a:xfrm>
+            <a:off x="0" y="0"/>
+            <a:ext cx="9144000" cy="5143500"/>
+          </a:xfrm>
+          <a:prstGeom prst="rect">
+            <a:avLst/>
+          </a:prstGeom>
+          <a:solidFill>
+            <a:schemeClr val="bg2"/>
+          </a:solidFill>
+          <a:ln>
+            <a:noFill/>
+          </a:ln>
+        </p:spPr>
+        <p:style>
+          <a:lnRef idx="2">
+            <a:schemeClr val="accent1">
+              <a:shade val="50000"/>
+            </a:schemeClr>
+          </a:lnRef>
+          <a:fillRef idx="1">
+            <a:schemeClr val="accent1"/>
+          </a:fillRef>
+          <a:effectRef idx="0">
+            <a:schemeClr val="accent1"/>
+          </a:effectRef>
+          <a:fontRef idx="minor">
+            <a:schemeClr val="lt1"/>
+          </a:fontRef>
+        </p:style>
+        <p:txBody>
+          <a:bodyPr rtlCol="0" anchor="ctr"/>
+          <a:lstStyle/>
+          <a:p>
+            <a:pPr algn="ctr"/>
+            <a:endParaRPr lang="en-US"/>
+          </a:p>
+        </p:txBody>
+      </p:sp>
+      <p:sp>
+        <p:nvSpPr>
           <p:cNvPr id="99" name="Google Shape;99;p18"/>
           <p:cNvSpPr txBox="1">
             <a:spLocks noGrp="1"/>
@@ -6959,7 +7596,7 @@
               <a:t>	</a:t>
             </a:r>
             <a:r>
-              <a:rPr lang="en-US" dirty="0" err="1"/>
+              <a:rPr lang="en-US"/>
               <a:t>Aplikasi</a:t>
             </a:r>
             <a:r>
@@ -6967,7 +7604,7 @@
               <a:t> </a:t>
             </a:r>
             <a:r>
-              <a:rPr lang="en-US" dirty="0" err="1"/>
+              <a:rPr lang="en-US"/>
               <a:t>ini</a:t>
             </a:r>
             <a:r>
@@ -6975,7 +7612,7 @@
               <a:t> </a:t>
             </a:r>
             <a:r>
-              <a:rPr lang="en-US" dirty="0" err="1"/>
+              <a:rPr lang="en-US"/>
               <a:t>tidak</a:t>
             </a:r>
             <a:r>
@@ -6983,7 +7620,7 @@
               <a:t> </a:t>
             </a:r>
             <a:r>
-              <a:rPr lang="en-US" dirty="0" err="1"/>
+              <a:rPr lang="en-US"/>
               <a:t>membutuhkan</a:t>
             </a:r>
             <a:r>
@@ -6991,7 +7628,7 @@
               <a:t> marker. </a:t>
             </a:r>
             <a:r>
-              <a:rPr lang="en-US" dirty="0" err="1"/>
+              <a:rPr lang="en-US"/>
               <a:t>Setiap</a:t>
             </a:r>
             <a:r>
@@ -6999,7 +7636,7 @@
               <a:t> </a:t>
             </a:r>
             <a:r>
-              <a:rPr lang="en-US" dirty="0" err="1"/>
+              <a:rPr lang="en-US"/>
               <a:t>suara</a:t>
             </a:r>
             <a:r>
@@ -7007,7 +7644,7 @@
               <a:t> yang </a:t>
             </a:r>
             <a:r>
-              <a:rPr lang="en-US" dirty="0" err="1"/>
+              <a:rPr lang="en-US"/>
               <a:t>tertangkap</a:t>
             </a:r>
             <a:r>
@@ -7015,7 +7652,7 @@
               <a:t> oleh </a:t>
             </a:r>
             <a:r>
-              <a:rPr lang="en-US" dirty="0" err="1"/>
+              <a:rPr lang="en-US"/>
               <a:t>mikrofon</a:t>
             </a:r>
             <a:r>
@@ -7023,7 +7660,7 @@
               <a:t> pada handphone </a:t>
             </a:r>
             <a:r>
-              <a:rPr lang="en-US" dirty="0" err="1"/>
+              <a:rPr lang="en-US"/>
               <a:t>akan</a:t>
             </a:r>
             <a:r>
@@ -7031,7 +7668,7 @@
               <a:t> </a:t>
             </a:r>
             <a:r>
-              <a:rPr lang="en-US" dirty="0" err="1"/>
+              <a:rPr lang="en-US"/>
               <a:t>ditranslasikan</a:t>
             </a:r>
             <a:r>
@@ -7039,7 +7676,7 @@
               <a:t> dan </a:t>
             </a:r>
             <a:r>
-              <a:rPr lang="en-US" dirty="0" err="1"/>
+              <a:rPr lang="en-US"/>
               <a:t>akan</a:t>
             </a:r>
             <a:r>
@@ -7047,7 +7684,7 @@
               <a:t> </a:t>
             </a:r>
             <a:r>
-              <a:rPr lang="en-US" dirty="0" err="1"/>
+              <a:rPr lang="en-US"/>
               <a:t>ditampilkan</a:t>
             </a:r>
             <a:r>
@@ -7055,7 +7692,7 @@
               <a:t> </a:t>
             </a:r>
             <a:r>
-              <a:rPr lang="en-US" dirty="0" err="1"/>
+              <a:rPr lang="en-US"/>
               <a:t>langsung</a:t>
             </a:r>
             <a:r>
@@ -7063,7 +7700,7 @@
               <a:t> pada </a:t>
             </a:r>
             <a:r>
-              <a:rPr lang="en-US" dirty="0" err="1"/>
+              <a:rPr lang="en-US"/>
               <a:t>bagian</a:t>
             </a:r>
             <a:r>
@@ -7071,7 +7708,7 @@
               <a:t> </a:t>
             </a:r>
             <a:r>
-              <a:rPr lang="en-US" dirty="0" err="1"/>
+              <a:rPr lang="en-US"/>
               <a:t>bawah</a:t>
             </a:r>
             <a:r>
@@ -7079,7 +7716,7 @@
               <a:t> </a:t>
             </a:r>
             <a:r>
-              <a:rPr lang="en-US" dirty="0" err="1"/>
+              <a:rPr lang="en-US"/>
               <a:t>layar</a:t>
             </a:r>
             <a:r>
@@ -7089,12 +7726,67 @@
           </a:p>
         </p:txBody>
       </p:sp>
+      <p:sp>
+        <p:nvSpPr>
+          <p:cNvPr id="109" name="Rectangle 108">
+            <a:extLst>
+              <a:ext uri="{FF2B5EF4-FFF2-40B4-BE49-F238E27FC236}">
+                <a16:creationId xmlns:a16="http://schemas.microsoft.com/office/drawing/2014/main" id="{FBEA8A33-C0D0-416D-8359-724B8828C7C3}"/>
+              </a:ext>
+              <a:ext uri="{C183D7F6-B498-43B3-948B-1728B52AA6E4}">
+                <adec:decorative xmlns:adec="http://schemas.microsoft.com/office/drawing/2017/decorative" val="1"/>
+              </a:ext>
+            </a:extLst>
+          </p:cNvPr>
+          <p:cNvSpPr>
+            <a:spLocks noGrp="1" noRot="1" noChangeAspect="1" noMove="1" noResize="1" noEditPoints="1" noAdjustHandles="1" noChangeArrowheads="1" noChangeShapeType="1" noTextEdit="1"/>
+          </p:cNvSpPr>
+          <p:nvPr>
+            <p:extLst>
+              <p:ext uri="{386F3935-93C4-4BCD-93E2-E3B085C9AB24}">
+                <p16:designElem xmlns:p16="http://schemas.microsoft.com/office/powerpoint/2015/main" val="1"/>
+              </p:ext>
+            </p:extLst>
+          </p:nvPr>
+        </p:nvSpPr>
+        <p:spPr>
+          <a:xfrm>
+            <a:off x="5537745" y="0"/>
+            <a:ext cx="171450" cy="5143500"/>
+          </a:xfrm>
+          <a:prstGeom prst="rect">
+            <a:avLst/>
+          </a:prstGeom>
+          <a:solidFill>
+            <a:schemeClr val="tx2"/>
+          </a:solidFill>
+          <a:ln>
+            <a:noFill/>
+          </a:ln>
+        </p:spPr>
+        <p:style>
+          <a:lnRef idx="2">
+            <a:schemeClr val="accent1">
+              <a:shade val="50000"/>
+            </a:schemeClr>
+          </a:lnRef>
+          <a:fillRef idx="1">
+            <a:schemeClr val="accent1"/>
+          </a:fillRef>
+          <a:effectRef idx="0">
+            <a:schemeClr val="accent1"/>
+          </a:effectRef>
+          <a:fontRef idx="minor">
+            <a:schemeClr val="lt1"/>
+          </a:fontRef>
+        </p:style>
+      </p:sp>
       <p:pic>
         <p:nvPicPr>
-          <p:cNvPr id="4" name="Picture 3">
+          <p:cNvPr id="5" name="Picture 4">
             <a:extLst>
               <a:ext uri="{FF2B5EF4-FFF2-40B4-BE49-F238E27FC236}">
-                <a16:creationId xmlns:a16="http://schemas.microsoft.com/office/drawing/2014/main" id="{CC399B03-50B3-4085-AFC2-F3BA7F63CCAC}"/>
+                <a16:creationId xmlns:a16="http://schemas.microsoft.com/office/drawing/2014/main" id="{F9E93D70-5051-4DA9-927C-8B2899EC7EAD}"/>
               </a:ext>
             </a:extLst>
           </p:cNvPr>
@@ -7153,6 +7845,124 @@
       </p:grpSpPr>
       <p:sp>
         <p:nvSpPr>
+          <p:cNvPr id="111" name="Rectangle 110">
+            <a:extLst>
+              <a:ext uri="{FF2B5EF4-FFF2-40B4-BE49-F238E27FC236}">
+                <a16:creationId xmlns:a16="http://schemas.microsoft.com/office/drawing/2014/main" id="{0E807223-DF88-4D6D-970E-08919E5E02EB}"/>
+              </a:ext>
+              <a:ext uri="{C183D7F6-B498-43B3-948B-1728B52AA6E4}">
+                <adec:decorative xmlns:adec="http://schemas.microsoft.com/office/drawing/2017/decorative" val="1"/>
+              </a:ext>
+            </a:extLst>
+          </p:cNvPr>
+          <p:cNvSpPr>
+            <a:spLocks noGrp="1" noRot="1" noChangeAspect="1" noMove="1" noResize="1" noEditPoints="1" noAdjustHandles="1" noChangeArrowheads="1" noChangeShapeType="1" noTextEdit="1"/>
+          </p:cNvSpPr>
+          <p:nvPr>
+            <p:extLst>
+              <p:ext uri="{386F3935-93C4-4BCD-93E2-E3B085C9AB24}">
+                <p16:designElem xmlns:p16="http://schemas.microsoft.com/office/powerpoint/2015/main" val="1"/>
+              </p:ext>
+            </p:extLst>
+          </p:nvPr>
+        </p:nvSpPr>
+        <p:spPr>
+          <a:xfrm>
+            <a:off x="358571" y="282"/>
+            <a:ext cx="171450" cy="5143500"/>
+          </a:xfrm>
+          <a:prstGeom prst="rect">
+            <a:avLst/>
+          </a:prstGeom>
+          <a:solidFill>
+            <a:schemeClr val="tx2"/>
+          </a:solidFill>
+          <a:ln>
+            <a:noFill/>
+          </a:ln>
+        </p:spPr>
+        <p:style>
+          <a:lnRef idx="2">
+            <a:schemeClr val="accent1">
+              <a:shade val="50000"/>
+            </a:schemeClr>
+          </a:lnRef>
+          <a:fillRef idx="1">
+            <a:schemeClr val="accent1"/>
+          </a:fillRef>
+          <a:effectRef idx="0">
+            <a:schemeClr val="accent1"/>
+          </a:effectRef>
+          <a:fontRef idx="minor">
+            <a:schemeClr val="lt1"/>
+          </a:fontRef>
+        </p:style>
+      </p:sp>
+      <p:sp>
+        <p:nvSpPr>
+          <p:cNvPr id="113" name="Rectangle 112">
+            <a:extLst>
+              <a:ext uri="{FF2B5EF4-FFF2-40B4-BE49-F238E27FC236}">
+                <a16:creationId xmlns:a16="http://schemas.microsoft.com/office/drawing/2014/main" id="{961D8973-EAA9-459A-AF59-BBB4233D6C78}"/>
+              </a:ext>
+              <a:ext uri="{C183D7F6-B498-43B3-948B-1728B52AA6E4}">
+                <adec:decorative xmlns:adec="http://schemas.microsoft.com/office/drawing/2017/decorative" val="1"/>
+              </a:ext>
+            </a:extLst>
+          </p:cNvPr>
+          <p:cNvSpPr>
+            <a:spLocks noGrp="1" noRot="1" noChangeAspect="1" noMove="1" noResize="1" noEditPoints="1" noAdjustHandles="1" noChangeArrowheads="1" noChangeShapeType="1" noTextEdit="1"/>
+          </p:cNvSpPr>
+          <p:nvPr>
+            <p:extLst>
+              <p:ext uri="{386F3935-93C4-4BCD-93E2-E3B085C9AB24}">
+                <p16:designElem xmlns:p16="http://schemas.microsoft.com/office/powerpoint/2015/main" val="1"/>
+              </p:ext>
+            </p:extLst>
+          </p:nvPr>
+        </p:nvSpPr>
+        <p:spPr>
+          <a:xfrm>
+            <a:off x="0" y="0"/>
+            <a:ext cx="9144000" cy="5143500"/>
+          </a:xfrm>
+          <a:prstGeom prst="rect">
+            <a:avLst/>
+          </a:prstGeom>
+          <a:solidFill>
+            <a:schemeClr val="bg2"/>
+          </a:solidFill>
+          <a:ln>
+            <a:noFill/>
+          </a:ln>
+        </p:spPr>
+        <p:style>
+          <a:lnRef idx="2">
+            <a:schemeClr val="accent1">
+              <a:shade val="50000"/>
+            </a:schemeClr>
+          </a:lnRef>
+          <a:fillRef idx="1">
+            <a:schemeClr val="accent1"/>
+          </a:fillRef>
+          <a:effectRef idx="0">
+            <a:schemeClr val="accent1"/>
+          </a:effectRef>
+          <a:fontRef idx="minor">
+            <a:schemeClr val="lt1"/>
+          </a:fontRef>
+        </p:style>
+        <p:txBody>
+          <a:bodyPr rtlCol="0" anchor="ctr"/>
+          <a:lstStyle/>
+          <a:p>
+            <a:pPr algn="ctr"/>
+            <a:endParaRPr lang="en-US"/>
+          </a:p>
+        </p:txBody>
+      </p:sp>
+      <p:sp>
+        <p:nvSpPr>
           <p:cNvPr id="105" name="Google Shape;105;p19"/>
           <p:cNvSpPr txBox="1">
             <a:spLocks noGrp="1"/>
@@ -7224,11 +8034,11 @@
                 <a:spcPts val="200"/>
               </a:spcAft>
               <a:buSzPts val="1800"/>
-              <a:buFont typeface="Arial" panose="020B0604020202020204" pitchFamily="34" charset="0"/>
+              <a:buFont typeface="Franklin Gothic Book" panose="020B0503020102020204" pitchFamily="34" charset="0"/>
               <a:buChar char="•"/>
             </a:pPr>
             <a:r>
-              <a:rPr lang="en-US" dirty="0" err="1"/>
+              <a:rPr lang="en-US"/>
               <a:t>Mentranslasikan</a:t>
             </a:r>
             <a:r>
@@ -7236,7 +8046,7 @@
               <a:t> </a:t>
             </a:r>
             <a:r>
-              <a:rPr lang="en-US" dirty="0" err="1"/>
+              <a:rPr lang="en-US"/>
               <a:t>bahasa</a:t>
             </a:r>
             <a:r>
@@ -7244,7 +8054,7 @@
               <a:t> </a:t>
             </a:r>
             <a:r>
-              <a:rPr lang="en-US" dirty="0" err="1"/>
+              <a:rPr lang="en-US"/>
               <a:t>lisan</a:t>
             </a:r>
             <a:r>
@@ -7252,7 +8062,7 @@
               <a:t> </a:t>
             </a:r>
             <a:r>
-              <a:rPr lang="en-US" dirty="0" err="1"/>
+              <a:rPr lang="en-US"/>
               <a:t>ke</a:t>
             </a:r>
             <a:r>
@@ -7260,10 +8070,9 @@
               <a:t> </a:t>
             </a:r>
             <a:r>
-              <a:rPr lang="en-US" dirty="0" err="1"/>
+              <a:rPr lang="en-US"/>
               <a:t>tulisan</a:t>
             </a:r>
-            <a:endParaRPr lang="en-US" dirty="0"/>
           </a:p>
           <a:p>
             <a:pPr marL="384048" lvl="0" indent="-384048" defTabSz="914400">
@@ -7274,11 +8083,11 @@
                 <a:spcPts val="200"/>
               </a:spcAft>
               <a:buSzPts val="1800"/>
-              <a:buFont typeface="Arial" panose="020B0604020202020204" pitchFamily="34" charset="0"/>
+              <a:buFont typeface="Franklin Gothic Book" panose="020B0503020102020204" pitchFamily="34" charset="0"/>
               <a:buChar char="•"/>
             </a:pPr>
             <a:r>
-              <a:rPr lang="en-US" dirty="0" err="1"/>
+              <a:rPr lang="en-US"/>
               <a:t>Menampilkan</a:t>
             </a:r>
             <a:r>
@@ -7286,7 +8095,7 @@
               <a:t> </a:t>
             </a:r>
             <a:r>
-              <a:rPr lang="en-US" dirty="0" err="1"/>
+              <a:rPr lang="en-US"/>
               <a:t>secara</a:t>
             </a:r>
             <a:r>
@@ -7294,7 +8103,7 @@
               <a:t> </a:t>
             </a:r>
             <a:r>
-              <a:rPr lang="en-US" dirty="0" err="1"/>
+              <a:rPr lang="en-US"/>
               <a:t>realtime</a:t>
             </a:r>
             <a:r>
@@ -7302,7 +8111,7 @@
               <a:t> </a:t>
             </a:r>
             <a:r>
-              <a:rPr lang="en-US" dirty="0" err="1"/>
+              <a:rPr lang="en-US"/>
               <a:t>kepada</a:t>
             </a:r>
             <a:r>
@@ -7310,19 +8119,73 @@
               <a:t> </a:t>
             </a:r>
             <a:r>
-              <a:rPr lang="en-US" dirty="0" err="1"/>
+              <a:rPr lang="en-US"/>
               <a:t>pengguna</a:t>
             </a:r>
-            <a:endParaRPr lang="en-US" dirty="0"/>
-          </a:p>
-        </p:txBody>
+          </a:p>
+        </p:txBody>
+      </p:sp>
+      <p:sp>
+        <p:nvSpPr>
+          <p:cNvPr id="115" name="Rectangle 114">
+            <a:extLst>
+              <a:ext uri="{FF2B5EF4-FFF2-40B4-BE49-F238E27FC236}">
+                <a16:creationId xmlns:a16="http://schemas.microsoft.com/office/drawing/2014/main" id="{FBEA8A33-C0D0-416D-8359-724B8828C7C3}"/>
+              </a:ext>
+              <a:ext uri="{C183D7F6-B498-43B3-948B-1728B52AA6E4}">
+                <adec:decorative xmlns:adec="http://schemas.microsoft.com/office/drawing/2017/decorative" val="1"/>
+              </a:ext>
+            </a:extLst>
+          </p:cNvPr>
+          <p:cNvSpPr>
+            <a:spLocks noGrp="1" noRot="1" noChangeAspect="1" noMove="1" noResize="1" noEditPoints="1" noAdjustHandles="1" noChangeArrowheads="1" noChangeShapeType="1" noTextEdit="1"/>
+          </p:cNvSpPr>
+          <p:nvPr>
+            <p:extLst>
+              <p:ext uri="{386F3935-93C4-4BCD-93E2-E3B085C9AB24}">
+                <p16:designElem xmlns:p16="http://schemas.microsoft.com/office/powerpoint/2015/main" val="1"/>
+              </p:ext>
+            </p:extLst>
+          </p:nvPr>
+        </p:nvSpPr>
+        <p:spPr>
+          <a:xfrm>
+            <a:off x="5537745" y="0"/>
+            <a:ext cx="171450" cy="5143500"/>
+          </a:xfrm>
+          <a:prstGeom prst="rect">
+            <a:avLst/>
+          </a:prstGeom>
+          <a:solidFill>
+            <a:schemeClr val="tx2"/>
+          </a:solidFill>
+          <a:ln>
+            <a:noFill/>
+          </a:ln>
+        </p:spPr>
+        <p:style>
+          <a:lnRef idx="2">
+            <a:schemeClr val="accent1">
+              <a:shade val="50000"/>
+            </a:schemeClr>
+          </a:lnRef>
+          <a:fillRef idx="1">
+            <a:schemeClr val="accent1"/>
+          </a:fillRef>
+          <a:effectRef idx="0">
+            <a:schemeClr val="accent1"/>
+          </a:effectRef>
+          <a:fontRef idx="minor">
+            <a:schemeClr val="lt1"/>
+          </a:fontRef>
+        </p:style>
       </p:sp>
       <p:pic>
         <p:nvPicPr>
-          <p:cNvPr id="4" name="Picture 3">
+          <p:cNvPr id="5" name="Picture 4">
             <a:extLst>
               <a:ext uri="{FF2B5EF4-FFF2-40B4-BE49-F238E27FC236}">
-                <a16:creationId xmlns:a16="http://schemas.microsoft.com/office/drawing/2014/main" id="{2E810600-691E-4E66-9983-D379209C2935}"/>
+                <a16:creationId xmlns:a16="http://schemas.microsoft.com/office/drawing/2014/main" id="{701846D2-42C1-4D1C-9FD2-D197676927E0}"/>
               </a:ext>
             </a:extLst>
           </p:cNvPr>
@@ -7381,6 +8244,124 @@
       </p:grpSpPr>
       <p:sp>
         <p:nvSpPr>
+          <p:cNvPr id="117" name="Rectangle 116">
+            <a:extLst>
+              <a:ext uri="{FF2B5EF4-FFF2-40B4-BE49-F238E27FC236}">
+                <a16:creationId xmlns:a16="http://schemas.microsoft.com/office/drawing/2014/main" id="{0E807223-DF88-4D6D-970E-08919E5E02EB}"/>
+              </a:ext>
+              <a:ext uri="{C183D7F6-B498-43B3-948B-1728B52AA6E4}">
+                <adec:decorative xmlns:adec="http://schemas.microsoft.com/office/drawing/2017/decorative" val="1"/>
+              </a:ext>
+            </a:extLst>
+          </p:cNvPr>
+          <p:cNvSpPr>
+            <a:spLocks noGrp="1" noRot="1" noChangeAspect="1" noMove="1" noResize="1" noEditPoints="1" noAdjustHandles="1" noChangeArrowheads="1" noChangeShapeType="1" noTextEdit="1"/>
+          </p:cNvSpPr>
+          <p:nvPr>
+            <p:extLst>
+              <p:ext uri="{386F3935-93C4-4BCD-93E2-E3B085C9AB24}">
+                <p16:designElem xmlns:p16="http://schemas.microsoft.com/office/powerpoint/2015/main" val="1"/>
+              </p:ext>
+            </p:extLst>
+          </p:nvPr>
+        </p:nvSpPr>
+        <p:spPr>
+          <a:xfrm>
+            <a:off x="358571" y="282"/>
+            <a:ext cx="171450" cy="5143500"/>
+          </a:xfrm>
+          <a:prstGeom prst="rect">
+            <a:avLst/>
+          </a:prstGeom>
+          <a:solidFill>
+            <a:schemeClr val="tx2"/>
+          </a:solidFill>
+          <a:ln>
+            <a:noFill/>
+          </a:ln>
+        </p:spPr>
+        <p:style>
+          <a:lnRef idx="2">
+            <a:schemeClr val="accent1">
+              <a:shade val="50000"/>
+            </a:schemeClr>
+          </a:lnRef>
+          <a:fillRef idx="1">
+            <a:schemeClr val="accent1"/>
+          </a:fillRef>
+          <a:effectRef idx="0">
+            <a:schemeClr val="accent1"/>
+          </a:effectRef>
+          <a:fontRef idx="minor">
+            <a:schemeClr val="lt1"/>
+          </a:fontRef>
+        </p:style>
+      </p:sp>
+      <p:sp>
+        <p:nvSpPr>
+          <p:cNvPr id="119" name="Rectangle 118">
+            <a:extLst>
+              <a:ext uri="{FF2B5EF4-FFF2-40B4-BE49-F238E27FC236}">
+                <a16:creationId xmlns:a16="http://schemas.microsoft.com/office/drawing/2014/main" id="{961D8973-EAA9-459A-AF59-BBB4233D6C78}"/>
+              </a:ext>
+              <a:ext uri="{C183D7F6-B498-43B3-948B-1728B52AA6E4}">
+                <adec:decorative xmlns:adec="http://schemas.microsoft.com/office/drawing/2017/decorative" val="1"/>
+              </a:ext>
+            </a:extLst>
+          </p:cNvPr>
+          <p:cNvSpPr>
+            <a:spLocks noGrp="1" noRot="1" noChangeAspect="1" noMove="1" noResize="1" noEditPoints="1" noAdjustHandles="1" noChangeArrowheads="1" noChangeShapeType="1" noTextEdit="1"/>
+          </p:cNvSpPr>
+          <p:nvPr>
+            <p:extLst>
+              <p:ext uri="{386F3935-93C4-4BCD-93E2-E3B085C9AB24}">
+                <p16:designElem xmlns:p16="http://schemas.microsoft.com/office/powerpoint/2015/main" val="1"/>
+              </p:ext>
+            </p:extLst>
+          </p:nvPr>
+        </p:nvSpPr>
+        <p:spPr>
+          <a:xfrm>
+            <a:off x="0" y="0"/>
+            <a:ext cx="9144000" cy="5143500"/>
+          </a:xfrm>
+          <a:prstGeom prst="rect">
+            <a:avLst/>
+          </a:prstGeom>
+          <a:solidFill>
+            <a:schemeClr val="bg2"/>
+          </a:solidFill>
+          <a:ln>
+            <a:noFill/>
+          </a:ln>
+        </p:spPr>
+        <p:style>
+          <a:lnRef idx="2">
+            <a:schemeClr val="accent1">
+              <a:shade val="50000"/>
+            </a:schemeClr>
+          </a:lnRef>
+          <a:fillRef idx="1">
+            <a:schemeClr val="accent1"/>
+          </a:fillRef>
+          <a:effectRef idx="0">
+            <a:schemeClr val="accent1"/>
+          </a:effectRef>
+          <a:fontRef idx="minor">
+            <a:schemeClr val="lt1"/>
+          </a:fontRef>
+        </p:style>
+        <p:txBody>
+          <a:bodyPr rtlCol="0" anchor="ctr"/>
+          <a:lstStyle/>
+          <a:p>
+            <a:pPr algn="ctr"/>
+            <a:endParaRPr lang="en-US"/>
+          </a:p>
+        </p:txBody>
+      </p:sp>
+      <p:sp>
+        <p:nvSpPr>
           <p:cNvPr id="111" name="Google Shape;111;p20"/>
           <p:cNvSpPr txBox="1">
             <a:spLocks noGrp="1"/>
@@ -7461,12 +8442,67 @@
           </a:p>
         </p:txBody>
       </p:sp>
+      <p:sp>
+        <p:nvSpPr>
+          <p:cNvPr id="121" name="Rectangle 120">
+            <a:extLst>
+              <a:ext uri="{FF2B5EF4-FFF2-40B4-BE49-F238E27FC236}">
+                <a16:creationId xmlns:a16="http://schemas.microsoft.com/office/drawing/2014/main" id="{FBEA8A33-C0D0-416D-8359-724B8828C7C3}"/>
+              </a:ext>
+              <a:ext uri="{C183D7F6-B498-43B3-948B-1728B52AA6E4}">
+                <adec:decorative xmlns:adec="http://schemas.microsoft.com/office/drawing/2017/decorative" val="1"/>
+              </a:ext>
+            </a:extLst>
+          </p:cNvPr>
+          <p:cNvSpPr>
+            <a:spLocks noGrp="1" noRot="1" noChangeAspect="1" noMove="1" noResize="1" noEditPoints="1" noAdjustHandles="1" noChangeArrowheads="1" noChangeShapeType="1" noTextEdit="1"/>
+          </p:cNvSpPr>
+          <p:nvPr>
+            <p:extLst>
+              <p:ext uri="{386F3935-93C4-4BCD-93E2-E3B085C9AB24}">
+                <p16:designElem xmlns:p16="http://schemas.microsoft.com/office/powerpoint/2015/main" val="1"/>
+              </p:ext>
+            </p:extLst>
+          </p:nvPr>
+        </p:nvSpPr>
+        <p:spPr>
+          <a:xfrm>
+            <a:off x="5537745" y="0"/>
+            <a:ext cx="171450" cy="5143500"/>
+          </a:xfrm>
+          <a:prstGeom prst="rect">
+            <a:avLst/>
+          </a:prstGeom>
+          <a:solidFill>
+            <a:schemeClr val="tx2"/>
+          </a:solidFill>
+          <a:ln>
+            <a:noFill/>
+          </a:ln>
+        </p:spPr>
+        <p:style>
+          <a:lnRef idx="2">
+            <a:schemeClr val="accent1">
+              <a:shade val="50000"/>
+            </a:schemeClr>
+          </a:lnRef>
+          <a:fillRef idx="1">
+            <a:schemeClr val="accent1"/>
+          </a:fillRef>
+          <a:effectRef idx="0">
+            <a:schemeClr val="accent1"/>
+          </a:effectRef>
+          <a:fontRef idx="minor">
+            <a:schemeClr val="lt1"/>
+          </a:fontRef>
+        </p:style>
+      </p:sp>
       <p:pic>
         <p:nvPicPr>
-          <p:cNvPr id="4" name="Picture 3">
+          <p:cNvPr id="5" name="Picture 4">
             <a:extLst>
               <a:ext uri="{FF2B5EF4-FFF2-40B4-BE49-F238E27FC236}">
-                <a16:creationId xmlns:a16="http://schemas.microsoft.com/office/drawing/2014/main" id="{CE7F550E-5F59-40CB-B59E-72E5B3634CDC}"/>
+                <a16:creationId xmlns:a16="http://schemas.microsoft.com/office/drawing/2014/main" id="{8F888CB1-D6B7-4145-8663-5383D637C92E}"/>
               </a:ext>
             </a:extLst>
           </p:cNvPr>
